--- a/results/Sim_12.15.20/CnGV_heuristic.pptx
+++ b/results/Sim_12.15.20/CnGV_heuristic.pptx
@@ -208,7 +208,7 @@
           <a:p>
             <a:fld id="{97B2BE1C-1070-1941-8817-5557A038495D}" type="datetimeFigureOut">
               <a:rPr lang="en-US" smtClean="0"/>
-              <a:t>2/9/21</a:t>
+              <a:t>3/11/21</a:t>
             </a:fld>
             <a:endParaRPr lang="en-US"/>
           </a:p>
@@ -690,7 +690,7 @@
           <a:p>
             <a:fld id="{AD23A1DC-3F3E-9742-9947-38C09BE64DC2}" type="datetimeFigureOut">
               <a:rPr lang="en-US" smtClean="0"/>
-              <a:t>2/9/21</a:t>
+              <a:t>3/11/21</a:t>
             </a:fld>
             <a:endParaRPr lang="en-US"/>
           </a:p>
@@ -860,7 +860,7 @@
           <a:p>
             <a:fld id="{AD23A1DC-3F3E-9742-9947-38C09BE64DC2}" type="datetimeFigureOut">
               <a:rPr lang="en-US" smtClean="0"/>
-              <a:t>2/9/21</a:t>
+              <a:t>3/11/21</a:t>
             </a:fld>
             <a:endParaRPr lang="en-US"/>
           </a:p>
@@ -1040,7 +1040,7 @@
           <a:p>
             <a:fld id="{AD23A1DC-3F3E-9742-9947-38C09BE64DC2}" type="datetimeFigureOut">
               <a:rPr lang="en-US" smtClean="0"/>
-              <a:t>2/9/21</a:t>
+              <a:t>3/11/21</a:t>
             </a:fld>
             <a:endParaRPr lang="en-US"/>
           </a:p>
@@ -1210,7 +1210,7 @@
           <a:p>
             <a:fld id="{AD23A1DC-3F3E-9742-9947-38C09BE64DC2}" type="datetimeFigureOut">
               <a:rPr lang="en-US" smtClean="0"/>
-              <a:t>2/9/21</a:t>
+              <a:t>3/11/21</a:t>
             </a:fld>
             <a:endParaRPr lang="en-US"/>
           </a:p>
@@ -1454,7 +1454,7 @@
           <a:p>
             <a:fld id="{AD23A1DC-3F3E-9742-9947-38C09BE64DC2}" type="datetimeFigureOut">
               <a:rPr lang="en-US" smtClean="0"/>
-              <a:t>2/9/21</a:t>
+              <a:t>3/11/21</a:t>
             </a:fld>
             <a:endParaRPr lang="en-US"/>
           </a:p>
@@ -1686,7 +1686,7 @@
           <a:p>
             <a:fld id="{AD23A1DC-3F3E-9742-9947-38C09BE64DC2}" type="datetimeFigureOut">
               <a:rPr lang="en-US" smtClean="0"/>
-              <a:t>2/9/21</a:t>
+              <a:t>3/11/21</a:t>
             </a:fld>
             <a:endParaRPr lang="en-US"/>
           </a:p>
@@ -2053,7 +2053,7 @@
           <a:p>
             <a:fld id="{AD23A1DC-3F3E-9742-9947-38C09BE64DC2}" type="datetimeFigureOut">
               <a:rPr lang="en-US" smtClean="0"/>
-              <a:t>2/9/21</a:t>
+              <a:t>3/11/21</a:t>
             </a:fld>
             <a:endParaRPr lang="en-US"/>
           </a:p>
@@ -2171,7 +2171,7 @@
           <a:p>
             <a:fld id="{AD23A1DC-3F3E-9742-9947-38C09BE64DC2}" type="datetimeFigureOut">
               <a:rPr lang="en-US" smtClean="0"/>
-              <a:t>2/9/21</a:t>
+              <a:t>3/11/21</a:t>
             </a:fld>
             <a:endParaRPr lang="en-US"/>
           </a:p>
@@ -2266,7 +2266,7 @@
           <a:p>
             <a:fld id="{AD23A1DC-3F3E-9742-9947-38C09BE64DC2}" type="datetimeFigureOut">
               <a:rPr lang="en-US" smtClean="0"/>
-              <a:t>2/9/21</a:t>
+              <a:t>3/11/21</a:t>
             </a:fld>
             <a:endParaRPr lang="en-US"/>
           </a:p>
@@ -2543,7 +2543,7 @@
           <a:p>
             <a:fld id="{AD23A1DC-3F3E-9742-9947-38C09BE64DC2}" type="datetimeFigureOut">
               <a:rPr lang="en-US" smtClean="0"/>
-              <a:t>2/9/21</a:t>
+              <a:t>3/11/21</a:t>
             </a:fld>
             <a:endParaRPr lang="en-US"/>
           </a:p>
@@ -2800,7 +2800,7 @@
           <a:p>
             <a:fld id="{AD23A1DC-3F3E-9742-9947-38C09BE64DC2}" type="datetimeFigureOut">
               <a:rPr lang="en-US" smtClean="0"/>
-              <a:t>2/9/21</a:t>
+              <a:t>3/11/21</a:t>
             </a:fld>
             <a:endParaRPr lang="en-US"/>
           </a:p>
@@ -3013,7 +3013,7 @@
           <a:p>
             <a:fld id="{AD23A1DC-3F3E-9742-9947-38C09BE64DC2}" type="datetimeFigureOut">
               <a:rPr lang="en-US" smtClean="0"/>
-              <a:t>2/9/21</a:t>
+              <a:t>3/11/21</a:t>
             </a:fld>
             <a:endParaRPr lang="en-US"/>
           </a:p>
@@ -4372,8 +4372,8 @@
           </a:p>
         </p:txBody>
       </p:sp>
-      <mc:AlternateContent xmlns:mc="http://schemas.openxmlformats.org/markup-compatibility/2006">
-        <mc:Choice xmlns:a14="http://schemas.microsoft.com/office/drawing/2010/main" Requires="a14">
+      <mc:AlternateContent xmlns:mc="http://schemas.openxmlformats.org/markup-compatibility/2006" xmlns:a14="http://schemas.microsoft.com/office/drawing/2010/main">
+        <mc:Choice Requires="a14">
           <p:sp>
             <p:nvSpPr>
               <p:cNvPr id="152" name="TextBox 151">
@@ -4449,7 +4449,7 @@
             </p:txBody>
           </p:sp>
         </mc:Choice>
-        <mc:Fallback>
+        <mc:Fallback xmlns="">
           <p:sp>
             <p:nvSpPr>
               <p:cNvPr id="152" name="TextBox 151">
@@ -4494,8 +4494,8 @@
           </p:sp>
         </mc:Fallback>
       </mc:AlternateContent>
-      <mc:AlternateContent xmlns:mc="http://schemas.openxmlformats.org/markup-compatibility/2006">
-        <mc:Choice xmlns:a14="http://schemas.microsoft.com/office/drawing/2010/main" Requires="a14">
+      <mc:AlternateContent xmlns:mc="http://schemas.openxmlformats.org/markup-compatibility/2006" xmlns:a14="http://schemas.microsoft.com/office/drawing/2010/main">
+        <mc:Choice Requires="a14">
           <p:sp>
             <p:nvSpPr>
               <p:cNvPr id="153" name="TextBox 152">
@@ -4571,7 +4571,7 @@
             </p:txBody>
           </p:sp>
         </mc:Choice>
-        <mc:Fallback>
+        <mc:Fallback xmlns="">
           <p:sp>
             <p:nvSpPr>
               <p:cNvPr id="153" name="TextBox 152">
@@ -4616,8 +4616,8 @@
           </p:sp>
         </mc:Fallback>
       </mc:AlternateContent>
-      <mc:AlternateContent xmlns:mc="http://schemas.openxmlformats.org/markup-compatibility/2006">
-        <mc:Choice xmlns:a14="http://schemas.microsoft.com/office/drawing/2010/main" Requires="a14">
+      <mc:AlternateContent xmlns:mc="http://schemas.openxmlformats.org/markup-compatibility/2006" xmlns:a14="http://schemas.microsoft.com/office/drawing/2010/main">
+        <mc:Choice Requires="a14">
           <p:sp>
             <p:nvSpPr>
               <p:cNvPr id="154" name="TextBox 153">
@@ -4693,7 +4693,7 @@
             </p:txBody>
           </p:sp>
         </mc:Choice>
-        <mc:Fallback>
+        <mc:Fallback xmlns="">
           <p:sp>
             <p:nvSpPr>
               <p:cNvPr id="154" name="TextBox 153">
@@ -4782,8 +4782,8 @@
           </a:fontRef>
         </p:style>
       </p:cxnSp>
-      <mc:AlternateContent xmlns:mc="http://schemas.openxmlformats.org/markup-compatibility/2006">
-        <mc:Choice xmlns:a14="http://schemas.microsoft.com/office/drawing/2010/main" Requires="a14">
+      <mc:AlternateContent xmlns:mc="http://schemas.openxmlformats.org/markup-compatibility/2006" xmlns:a14="http://schemas.microsoft.com/office/drawing/2010/main">
+        <mc:Choice Requires="a14">
           <p:sp>
             <p:nvSpPr>
               <p:cNvPr id="157" name="TextBox 156">
@@ -4859,7 +4859,7 @@
             </p:txBody>
           </p:sp>
         </mc:Choice>
-        <mc:Fallback>
+        <mc:Fallback xmlns="">
           <p:sp>
             <p:nvSpPr>
               <p:cNvPr id="157" name="TextBox 156">
@@ -5812,8 +5812,8 @@
           </a:p>
         </p:txBody>
       </p:sp>
-      <mc:AlternateContent xmlns:mc="http://schemas.openxmlformats.org/markup-compatibility/2006">
-        <mc:Choice xmlns:a14="http://schemas.microsoft.com/office/drawing/2010/main" Requires="a14">
+      <mc:AlternateContent xmlns:mc="http://schemas.openxmlformats.org/markup-compatibility/2006" xmlns:a14="http://schemas.microsoft.com/office/drawing/2010/main">
+        <mc:Choice Requires="a14">
           <p:sp>
             <p:nvSpPr>
               <p:cNvPr id="219" name="TextBox 218">
@@ -5889,7 +5889,7 @@
             </p:txBody>
           </p:sp>
         </mc:Choice>
-        <mc:Fallback>
+        <mc:Fallback xmlns="">
           <p:sp>
             <p:nvSpPr>
               <p:cNvPr id="219" name="TextBox 218">
@@ -5934,8 +5934,8 @@
           </p:sp>
         </mc:Fallback>
       </mc:AlternateContent>
-      <mc:AlternateContent xmlns:mc="http://schemas.openxmlformats.org/markup-compatibility/2006">
-        <mc:Choice xmlns:a14="http://schemas.microsoft.com/office/drawing/2010/main" Requires="a14">
+      <mc:AlternateContent xmlns:mc="http://schemas.openxmlformats.org/markup-compatibility/2006" xmlns:a14="http://schemas.microsoft.com/office/drawing/2010/main">
+        <mc:Choice Requires="a14">
           <p:sp>
             <p:nvSpPr>
               <p:cNvPr id="220" name="TextBox 219">
@@ -6011,7 +6011,7 @@
             </p:txBody>
           </p:sp>
         </mc:Choice>
-        <mc:Fallback>
+        <mc:Fallback xmlns="">
           <p:sp>
             <p:nvSpPr>
               <p:cNvPr id="220" name="TextBox 219">
@@ -6056,8 +6056,8 @@
           </p:sp>
         </mc:Fallback>
       </mc:AlternateContent>
-      <mc:AlternateContent xmlns:mc="http://schemas.openxmlformats.org/markup-compatibility/2006">
-        <mc:Choice xmlns:a14="http://schemas.microsoft.com/office/drawing/2010/main" Requires="a14">
+      <mc:AlternateContent xmlns:mc="http://schemas.openxmlformats.org/markup-compatibility/2006" xmlns:a14="http://schemas.microsoft.com/office/drawing/2010/main">
+        <mc:Choice Requires="a14">
           <p:sp>
             <p:nvSpPr>
               <p:cNvPr id="221" name="TextBox 220">
@@ -6133,7 +6133,7 @@
             </p:txBody>
           </p:sp>
         </mc:Choice>
-        <mc:Fallback>
+        <mc:Fallback xmlns="">
           <p:sp>
             <p:nvSpPr>
               <p:cNvPr id="221" name="TextBox 220">
@@ -6222,8 +6222,8 @@
           </a:fontRef>
         </p:style>
       </p:cxnSp>
-      <mc:AlternateContent xmlns:mc="http://schemas.openxmlformats.org/markup-compatibility/2006">
-        <mc:Choice xmlns:a14="http://schemas.microsoft.com/office/drawing/2010/main" Requires="a14">
+      <mc:AlternateContent xmlns:mc="http://schemas.openxmlformats.org/markup-compatibility/2006" xmlns:a14="http://schemas.microsoft.com/office/drawing/2010/main">
+        <mc:Choice Requires="a14">
           <p:sp>
             <p:nvSpPr>
               <p:cNvPr id="223" name="TextBox 222">
@@ -6299,7 +6299,7 @@
             </p:txBody>
           </p:sp>
         </mc:Choice>
-        <mc:Fallback>
+        <mc:Fallback xmlns="">
           <p:sp>
             <p:nvSpPr>
               <p:cNvPr id="223" name="TextBox 222">
@@ -6945,7 +6945,7 @@
                 </a:solidFill>
                 <a:latin typeface="Times" pitchFamily="2" charset="0"/>
               </a:rPr>
-              <a:t>E1</a:t>
+              <a:t>E2</a:t>
             </a:r>
             <a:r>
               <a:rPr lang="en-US" dirty="0">
@@ -6997,7 +6997,7 @@
                 </a:solidFill>
                 <a:latin typeface="Times" pitchFamily="2" charset="0"/>
               </a:rPr>
-              <a:t>G1</a:t>
+              <a:t>G2</a:t>
             </a:r>
             <a:r>
               <a:rPr lang="en-US" dirty="0">
@@ -7030,7 +7030,7 @@
                 </a:solidFill>
                 <a:latin typeface="Times" pitchFamily="2" charset="0"/>
               </a:rPr>
-              <a:t>E1</a:t>
+              <a:t>E2</a:t>
             </a:r>
             <a:r>
               <a:rPr lang="en-US" dirty="0">
@@ -7082,7 +7082,7 @@
                 </a:solidFill>
                 <a:latin typeface="Times" pitchFamily="2" charset="0"/>
               </a:rPr>
-              <a:t>G1</a:t>
+              <a:t>G2</a:t>
             </a:r>
             <a:r>
               <a:rPr lang="en-US" dirty="0">
@@ -7467,7 +7467,7 @@
                 </a:solidFill>
                 <a:latin typeface="Times" pitchFamily="2" charset="0"/>
               </a:rPr>
-              <a:t>E1</a:t>
+              <a:t>E2</a:t>
             </a:r>
             <a:r>
               <a:rPr lang="en-US" dirty="0">
@@ -7519,7 +7519,7 @@
                 </a:solidFill>
                 <a:latin typeface="Times" pitchFamily="2" charset="0"/>
               </a:rPr>
-              <a:t>G1</a:t>
+              <a:t>G2</a:t>
             </a:r>
             <a:r>
               <a:rPr lang="en-US" dirty="0">
@@ -7552,7 +7552,7 @@
                 </a:solidFill>
                 <a:latin typeface="Times" pitchFamily="2" charset="0"/>
               </a:rPr>
-              <a:t>E1</a:t>
+              <a:t>E2</a:t>
             </a:r>
             <a:r>
               <a:rPr lang="en-US" dirty="0">
@@ -7604,7 +7604,7 @@
                 </a:solidFill>
                 <a:latin typeface="Times" pitchFamily="2" charset="0"/>
               </a:rPr>
-              <a:t>G1</a:t>
+              <a:t>G2</a:t>
             </a:r>
             <a:r>
               <a:rPr lang="en-US" dirty="0">
